--- a/IBM Advanced Data Scince Capstone.pptx
+++ b/IBM Advanced Data Scince Capstone.pptx
@@ -6348,13 +6348,13 @@
             <a:r>
               <a:rPr lang="en-US" sz="1400">
                 <a:sym typeface="+mn-ea"/>
-                <a:hlinkClick r:id="rId1" tooltip="" action="ppaction://hlinkfile"/>
+                <a:hlinkClick r:id="rId1" action="ppaction://hlinkfile"/>
               </a:rPr>
               <a:t>https://www.sciencedirect.com/science/article/pii/S2352340919301283</a:t>
             </a:r>
             <a:endParaRPr lang="en-US" sz="1400">
               <a:sym typeface="+mn-ea"/>
-              <a:hlinkClick r:id="rId1" tooltip="" action="ppaction://hlinkfile"/>
+              <a:hlinkClick r:id="rId1" action="ppaction://hlinkfile"/>
             </a:endParaRPr>
           </a:p>
           <a:p>
@@ -6384,13 +6384,13 @@
             <a:r>
               <a:rPr lang="en-US" sz="1400">
                 <a:sym typeface="+mn-ea"/>
-                <a:hlinkClick r:id="rId2" tooltip="" action="ppaction://hlinkfile"/>
+                <a:hlinkClick r:id="rId2" action="ppaction://hlinkfile"/>
               </a:rPr>
               <a:t>https://www.kaggle.com/zssash/arabic-sign-language-image-classification</a:t>
             </a:r>
             <a:endParaRPr lang="en-US" sz="1400">
               <a:sym typeface="+mn-ea"/>
-              <a:hlinkClick r:id="rId2" tooltip="" action="ppaction://hlinkfile"/>
+              <a:hlinkClick r:id="rId2" action="ppaction://hlinkfile"/>
             </a:endParaRPr>
           </a:p>
           <a:p>
@@ -6422,7 +6422,7 @@
                 <a:sym typeface="+mn-ea"/>
                 <a:hlinkClick r:id="rId3" tooltip="" action="ppaction://hlinkfile"/>
               </a:rPr>
-              <a:t>https://github.com/ZssAsh</a:t>
+              <a:t>https://github.com/ZssAsh/ArASL</a:t>
             </a:r>
             <a:endParaRPr lang="en-US" sz="1400">
               <a:sym typeface="+mn-ea"/>
